--- a/ib1/extra/AZ-101IntroA.pptx
+++ b/ib1/extra/AZ-101IntroA.pptx
@@ -5,10 +5,10 @@
     <p:sldMasterId id="2147484229" r:id="rId1"/>
   </p:sldMasterIdLst>
   <p:notesMasterIdLst>
-    <p:notesMasterId r:id="rId9"/>
+    <p:notesMasterId r:id="rId10"/>
   </p:notesMasterIdLst>
   <p:handoutMasterIdLst>
-    <p:handoutMasterId r:id="rId10"/>
+    <p:handoutMasterId r:id="rId11"/>
   </p:handoutMasterIdLst>
   <p:sldIdLst>
     <p:sldId id="1884" r:id="rId2"/>
@@ -17,7 +17,8 @@
     <p:sldId id="1908" r:id="rId5"/>
     <p:sldId id="270" r:id="rId6"/>
     <p:sldId id="1874" r:id="rId7"/>
-    <p:sldId id="1910" r:id="rId8"/>
+    <p:sldId id="1911" r:id="rId8"/>
+    <p:sldId id="1910" r:id="rId9"/>
   </p:sldIdLst>
   <p:sldSz cx="12192000" cy="6858000"/>
   <p:notesSz cx="6858000" cy="9144000"/>
@@ -130,6 +131,7 @@
             <p14:sldId id="1908"/>
             <p14:sldId id="270"/>
             <p14:sldId id="1874"/>
+            <p14:sldId id="1911"/>
             <p14:sldId id="1910"/>
           </p14:sldIdLst>
         </p14:section>
@@ -248,7 +250,7 @@
               <a:rPr lang="en-US" smtClean="0">
                 <a:latin typeface="Segoe UI" pitchFamily="34" charset="0"/>
               </a:rPr>
-              <a:t>1/16/2019 5:02 PM</a:t>
+              <a:t>2/7/2019 9:54 AM</a:t>
             </a:fld>
             <a:endParaRPr lang="en-US" dirty="0">
               <a:latin typeface="Segoe UI" pitchFamily="34" charset="0"/>
@@ -526,7 +528,7 @@
           <a:p>
             <a:fld id="{386CE63F-9E7F-4C04-9D0D-FCA25A8E9E86}" type="datetime8">
               <a:rPr lang="en-US" smtClean="0"/>
-              <a:t>1/16/2019 5:02 PM</a:t>
+              <a:t>2/7/2019 9:54 AM</a:t>
             </a:fld>
             <a:endParaRPr lang="en-US" dirty="0"/>
           </a:p>
@@ -893,7 +895,7 @@
           <a:p>
             <a:fld id="{3619146B-24F9-441E-A368-DB3B5A84C1D4}" type="datetime8">
               <a:rPr lang="en-US" smtClean="0"/>
-              <a:t>1/16/2019 5:02 PM</a:t>
+              <a:t>2/7/2019 9:54 AM</a:t>
             </a:fld>
             <a:endParaRPr lang="en-US" dirty="0"/>
           </a:p>
@@ -1058,7 +1060,7 @@
           <a:p>
             <a:fld id="{9427A7F7-BB1E-479D-AFAA-B52F4D0C99F2}" type="datetime8">
               <a:rPr lang="en-US" smtClean="0"/>
-              <a:t>1/16/2019 5:02 PM</a:t>
+              <a:t>2/7/2019 9:54 AM</a:t>
             </a:fld>
             <a:endParaRPr lang="en-US" dirty="0"/>
           </a:p>
@@ -1223,7 +1225,7 @@
           <a:p>
             <a:fld id="{9427A7F7-BB1E-479D-AFAA-B52F4D0C99F2}" type="datetime8">
               <a:rPr lang="en-US" smtClean="0"/>
-              <a:t>1/16/2019 5:02 PM</a:t>
+              <a:t>2/7/2019 9:54 AM</a:t>
             </a:fld>
             <a:endParaRPr lang="en-US" dirty="0"/>
           </a:p>
@@ -1475,7 +1477,7 @@
           <a:p>
             <a:fld id="{386CE63F-9E7F-4C04-9D0D-FCA25A8E9E86}" type="datetime8">
               <a:rPr lang="en-US" smtClean="0"/>
-              <a:t>1/16/2019 5:02 PM</a:t>
+              <a:t>2/7/2019 9:54 AM</a:t>
             </a:fld>
             <a:endParaRPr lang="en-US" dirty="0"/>
           </a:p>
@@ -10116,6 +10118,344 @@
           <a:p>
             <a:r>
               <a:rPr lang="en-US" dirty="0" smtClean="0"/>
+              <a:t>Let’s get acquainted !</a:t>
+            </a:r>
+            <a:endParaRPr lang="en-US" dirty="0"/>
+          </a:p>
+        </p:txBody>
+      </p:sp>
+      <p:sp>
+        <p:nvSpPr>
+          <p:cNvPr id="3" name="Espace réservé du texte 2"/>
+          <p:cNvSpPr>
+            <a:spLocks noGrp="1"/>
+          </p:cNvSpPr>
+          <p:nvPr>
+            <p:ph type="body" sz="quarter" idx="10"/>
+          </p:nvPr>
+        </p:nvSpPr>
+        <p:spPr>
+          <a:xfrm>
+            <a:off x="586390" y="1434370"/>
+            <a:ext cx="11018520" cy="4567404"/>
+          </a:xfrm>
+        </p:spPr>
+        <p:txBody>
+          <a:bodyPr/>
+          <a:lstStyle/>
+          <a:p>
+            <a:pPr marL="457200" indent="-457200">
+              <a:buFont typeface="Arial" panose="020B0604020202020204" pitchFamily="34" charset="0"/>
+              <a:buChar char="•"/>
+            </a:pPr>
+            <a:r>
+              <a:rPr lang="en-US" dirty="0" smtClean="0"/>
+              <a:t>Name</a:t>
+            </a:r>
+          </a:p>
+          <a:p>
+            <a:pPr marL="457200" indent="-457200">
+              <a:buFont typeface="Arial" panose="020B0604020202020204" pitchFamily="34" charset="0"/>
+              <a:buChar char="•"/>
+            </a:pPr>
+            <a:endParaRPr lang="en-US" dirty="0" smtClean="0"/>
+          </a:p>
+          <a:p>
+            <a:pPr marL="457200" indent="-457200">
+              <a:buFont typeface="Arial" panose="020B0604020202020204" pitchFamily="34" charset="0"/>
+              <a:buChar char="•"/>
+            </a:pPr>
+            <a:r>
+              <a:rPr lang="en-US" dirty="0" smtClean="0"/>
+              <a:t>Company affiliation</a:t>
+            </a:r>
+          </a:p>
+          <a:p>
+            <a:pPr marL="457200" indent="-457200">
+              <a:buFont typeface="Arial" panose="020B0604020202020204" pitchFamily="34" charset="0"/>
+              <a:buChar char="•"/>
+            </a:pPr>
+            <a:endParaRPr lang="en-US" dirty="0" smtClean="0"/>
+          </a:p>
+          <a:p>
+            <a:pPr marL="457200" indent="-457200">
+              <a:buFont typeface="Arial" panose="020B0604020202020204" pitchFamily="34" charset="0"/>
+              <a:buChar char="•"/>
+            </a:pPr>
+            <a:r>
+              <a:rPr lang="en-US" dirty="0" smtClean="0"/>
+              <a:t>Business role</a:t>
+            </a:r>
+          </a:p>
+          <a:p>
+            <a:pPr marL="457200" indent="-457200">
+              <a:buFont typeface="Arial" panose="020B0604020202020204" pitchFamily="34" charset="0"/>
+              <a:buChar char="•"/>
+            </a:pPr>
+            <a:endParaRPr lang="en-US" dirty="0" smtClean="0"/>
+          </a:p>
+          <a:p>
+            <a:pPr marL="457200" indent="-457200">
+              <a:buFont typeface="Arial" panose="020B0604020202020204" pitchFamily="34" charset="0"/>
+              <a:buChar char="•"/>
+            </a:pPr>
+            <a:r>
+              <a:rPr lang="en-US" dirty="0" smtClean="0"/>
+              <a:t>Cloud / Microsoft Azure experience</a:t>
+            </a:r>
+          </a:p>
+          <a:p>
+            <a:pPr marL="457200" indent="-457200">
+              <a:buFont typeface="Arial" panose="020B0604020202020204" pitchFamily="34" charset="0"/>
+              <a:buChar char="•"/>
+            </a:pPr>
+            <a:endParaRPr lang="en-US" dirty="0" smtClean="0"/>
+          </a:p>
+          <a:p>
+            <a:pPr marL="457200" indent="-457200">
+              <a:buFont typeface="Arial" panose="020B0604020202020204" pitchFamily="34" charset="0"/>
+              <a:buChar char="•"/>
+            </a:pPr>
+            <a:r>
+              <a:rPr lang="en-US" dirty="0" smtClean="0"/>
+              <a:t>Expectations for the course</a:t>
+            </a:r>
+            <a:endParaRPr lang="en-US" dirty="0"/>
+          </a:p>
+        </p:txBody>
+      </p:sp>
+      <p:grpSp>
+        <p:nvGrpSpPr>
+          <p:cNvPr id="4" name="Group 10"/>
+          <p:cNvGrpSpPr>
+            <a:grpSpLocks noChangeAspect="1"/>
+          </p:cNvGrpSpPr>
+          <p:nvPr/>
+        </p:nvGrpSpPr>
+        <p:grpSpPr>
+          <a:xfrm>
+            <a:off x="8534258" y="1012746"/>
+            <a:ext cx="2091928" cy="1331227"/>
+            <a:chOff x="1066800" y="1066800"/>
+            <a:chExt cx="3352800" cy="2133600"/>
+          </a:xfrm>
+        </p:grpSpPr>
+        <p:grpSp>
+          <p:nvGrpSpPr>
+            <p:cNvPr id="5" name="Group 11"/>
+            <p:cNvGrpSpPr/>
+            <p:nvPr/>
+          </p:nvGrpSpPr>
+          <p:grpSpPr>
+            <a:xfrm>
+              <a:off x="1066800" y="1066800"/>
+              <a:ext cx="3352800" cy="2133600"/>
+              <a:chOff x="762000" y="1066800"/>
+              <a:chExt cx="3352800" cy="2133600"/>
+            </a:xfrm>
+            <a:solidFill>
+              <a:srgbClr val="0072C6"/>
+            </a:solidFill>
+          </p:grpSpPr>
+          <p:sp>
+            <p:nvSpPr>
+              <p:cNvPr id="7" name="Rounded Rectangle 13"/>
+              <p:cNvSpPr>
+                <a:spLocks noChangeAspect="1"/>
+              </p:cNvSpPr>
+              <p:nvPr/>
+            </p:nvSpPr>
+            <p:spPr>
+              <a:xfrm>
+                <a:off x="762000" y="1066800"/>
+                <a:ext cx="3352800" cy="2133600"/>
+              </a:xfrm>
+              <a:prstGeom prst="roundRect">
+                <a:avLst/>
+              </a:prstGeom>
+              <a:solidFill>
+                <a:srgbClr val="00188F"/>
+              </a:solidFill>
+              <a:ln>
+                <a:solidFill>
+                  <a:schemeClr val="tx1"/>
+                </a:solidFill>
+              </a:ln>
+            </p:spPr>
+            <p:style>
+              <a:lnRef idx="2">
+                <a:schemeClr val="accent1">
+                  <a:shade val="50000"/>
+                </a:schemeClr>
+              </a:lnRef>
+              <a:fillRef idx="1">
+                <a:schemeClr val="accent1"/>
+              </a:fillRef>
+              <a:effectRef idx="0">
+                <a:schemeClr val="accent1"/>
+              </a:effectRef>
+              <a:fontRef idx="minor">
+                <a:schemeClr val="lt1"/>
+              </a:fontRef>
+            </p:style>
+            <p:txBody>
+              <a:bodyPr rtlCol="0" anchor="ctr"/>
+              <a:lstStyle/>
+              <a:p>
+                <a:pPr algn="ctr"/>
+                <a:endParaRPr lang="en-US" dirty="0"/>
+              </a:p>
+            </p:txBody>
+          </p:sp>
+          <p:sp>
+            <p:nvSpPr>
+              <p:cNvPr id="8" name="Rectangle 7"/>
+              <p:cNvSpPr/>
+              <p:nvPr/>
+            </p:nvSpPr>
+            <p:spPr>
+              <a:xfrm>
+                <a:off x="762000" y="1676400"/>
+                <a:ext cx="3352800" cy="1219200"/>
+              </a:xfrm>
+              <a:prstGeom prst="rect">
+                <a:avLst/>
+              </a:prstGeom>
+              <a:solidFill>
+                <a:schemeClr val="bg1"/>
+              </a:solidFill>
+              <a:ln>
+                <a:solidFill>
+                  <a:schemeClr val="tx1"/>
+                </a:solidFill>
+              </a:ln>
+            </p:spPr>
+            <p:style>
+              <a:lnRef idx="2">
+                <a:schemeClr val="accent1">
+                  <a:shade val="50000"/>
+                </a:schemeClr>
+              </a:lnRef>
+              <a:fillRef idx="1">
+                <a:schemeClr val="accent1"/>
+              </a:fillRef>
+              <a:effectRef idx="0">
+                <a:schemeClr val="accent1"/>
+              </a:effectRef>
+              <a:fontRef idx="minor">
+                <a:schemeClr val="lt1"/>
+              </a:fontRef>
+            </p:style>
+            <p:txBody>
+              <a:bodyPr rtlCol="0" anchor="ctr"/>
+              <a:lstStyle/>
+              <a:p>
+                <a:pPr algn="ctr"/>
+                <a:endParaRPr lang="en-US" dirty="0"/>
+              </a:p>
+            </p:txBody>
+          </p:sp>
+        </p:grpSp>
+        <p:pic>
+          <p:nvPicPr>
+            <p:cNvPr id="6" name="Picture 2"/>
+            <p:cNvPicPr>
+              <a:picLocks noChangeAspect="1" noChangeArrowheads="1"/>
+            </p:cNvPicPr>
+            <p:nvPr/>
+          </p:nvPicPr>
+          <p:blipFill>
+            <a:blip r:embed="rId2">
+              <a:extLst>
+                <a:ext uri="{28A0092B-C50C-407E-A947-70E740481C1C}">
+                  <a14:useLocalDpi xmlns:a14="http://schemas.microsoft.com/office/drawing/2010/main" val="0"/>
+                </a:ext>
+              </a:extLst>
+            </a:blip>
+            <a:srcRect/>
+            <a:stretch>
+              <a:fillRect/>
+            </a:stretch>
+          </p:blipFill>
+          <p:spPr bwMode="auto">
+            <a:xfrm>
+              <a:off x="1824036" y="1161615"/>
+              <a:ext cx="1838325" cy="466725"/>
+            </a:xfrm>
+            <a:prstGeom prst="rect">
+              <a:avLst/>
+            </a:prstGeom>
+            <a:noFill/>
+            <a:ln w="9525">
+              <a:solidFill>
+                <a:schemeClr val="tx1"/>
+              </a:solidFill>
+              <a:miter lim="800000"/>
+              <a:headEnd/>
+              <a:tailEnd/>
+            </a:ln>
+            <a:extLst>
+              <a:ext uri="{909E8E84-426E-40DD-AFC4-6F175D3DCCD1}">
+                <a14:hiddenFill xmlns:a14="http://schemas.microsoft.com/office/drawing/2010/main">
+                  <a:solidFill>
+                    <a:schemeClr val="accent1"/>
+                  </a:solidFill>
+                </a14:hiddenFill>
+              </a:ext>
+            </a:extLst>
+          </p:spPr>
+        </p:pic>
+      </p:grpSp>
+    </p:spTree>
+    <p:extLst>
+      <p:ext uri="{BB962C8B-B14F-4D97-AF65-F5344CB8AC3E}">
+        <p14:creationId xmlns:p14="http://schemas.microsoft.com/office/powerpoint/2010/main" val="3073192493"/>
+      </p:ext>
+    </p:extLst>
+  </p:cSld>
+  <p:clrMapOvr>
+    <a:masterClrMapping/>
+  </p:clrMapOvr>
+  <p:transition>
+    <p:fade/>
+  </p:transition>
+</p:sld>
+</file>
+
+<file path=ppt/slides/slide8.xml><?xml version="1.0" encoding="utf-8"?>
+<p:sld xmlns:a="http://schemas.openxmlformats.org/drawingml/2006/main" xmlns:r="http://schemas.openxmlformats.org/officeDocument/2006/relationships" xmlns:p="http://schemas.openxmlformats.org/presentationml/2006/main">
+  <p:cSld>
+    <p:spTree>
+      <p:nvGrpSpPr>
+        <p:cNvPr id="1" name=""/>
+        <p:cNvGrpSpPr/>
+        <p:nvPr/>
+      </p:nvGrpSpPr>
+      <p:grpSpPr>
+        <a:xfrm>
+          <a:off x="0" y="0"/>
+          <a:ext cx="0" cy="0"/>
+          <a:chOff x="0" y="0"/>
+          <a:chExt cx="0" cy="0"/>
+        </a:xfrm>
+      </p:grpSpPr>
+      <p:sp>
+        <p:nvSpPr>
+          <p:cNvPr id="2" name="Titre 1"/>
+          <p:cNvSpPr>
+            <a:spLocks noGrp="1"/>
+          </p:cNvSpPr>
+          <p:nvPr>
+            <p:ph type="title"/>
+          </p:nvPr>
+        </p:nvSpPr>
+        <p:spPr/>
+        <p:txBody>
+          <a:bodyPr/>
+          <a:lstStyle/>
+          <a:p>
+            <a:r>
+              <a:rPr lang="en-US" dirty="0" smtClean="0"/>
               <a:t>Create your account</a:t>
             </a:r>
             <a:endParaRPr lang="en-US" dirty="0"/>
